--- a/documentation/Data Manager/Data Manager Overview.pptx
+++ b/documentation/Data Manager/Data Manager Overview.pptx
@@ -5,7 +5,7 @@
     <p:sldMasterId id="2147483648" r:id="rId1"/>
   </p:sldMasterIdLst>
   <p:notesMasterIdLst>
-    <p:notesMasterId r:id="rId29"/>
+    <p:notesMasterId r:id="rId30"/>
   </p:notesMasterIdLst>
   <p:sldIdLst>
     <p:sldId id="256" r:id="rId2"/>
@@ -35,6 +35,7 @@
     <p:sldId id="281" r:id="rId26"/>
     <p:sldId id="282" r:id="rId27"/>
     <p:sldId id="283" r:id="rId28"/>
+    <p:sldId id="284" r:id="rId29"/>
   </p:sldIdLst>
   <p:sldSz cx="12192000" cy="6858000"/>
   <p:notesSz cx="6858000" cy="9144000"/>
@@ -146,7 +147,7 @@
   <pc:docChgLst>
     <pc:chgData name="Zoe Dansky" userId="cb436787-0f89-4199-8881-fb332ac68bbb" providerId="ADAL" clId="{999503EE-6EC5-40EB-A4D8-7D3C14DAC983}"/>
     <pc:docChg chg="undo custSel addSld delSld modSld sldOrd">
-      <pc:chgData name="Zoe Dansky" userId="cb436787-0f89-4199-8881-fb332ac68bbb" providerId="ADAL" clId="{999503EE-6EC5-40EB-A4D8-7D3C14DAC983}" dt="2025-04-09T15:56:12.280" v="5843" actId="1076"/>
+      <pc:chgData name="Zoe Dansky" userId="cb436787-0f89-4199-8881-fb332ac68bbb" providerId="ADAL" clId="{999503EE-6EC5-40EB-A4D8-7D3C14DAC983}" dt="2025-04-10T14:41:37.252" v="5858" actId="14100"/>
       <pc:docMkLst>
         <pc:docMk/>
       </pc:docMkLst>
@@ -282,7 +283,7 @@
         </pc:cxnChg>
       </pc:sldChg>
       <pc:sldChg chg="addSp modSp new mod ord">
-        <pc:chgData name="Zoe Dansky" userId="cb436787-0f89-4199-8881-fb332ac68bbb" providerId="ADAL" clId="{999503EE-6EC5-40EB-A4D8-7D3C14DAC983}" dt="2025-04-09T14:29:43.298" v="5172"/>
+        <pc:chgData name="Zoe Dansky" userId="cb436787-0f89-4199-8881-fb332ac68bbb" providerId="ADAL" clId="{999503EE-6EC5-40EB-A4D8-7D3C14DAC983}" dt="2025-04-10T14:41:37.252" v="5858" actId="14100"/>
         <pc:sldMkLst>
           <pc:docMk/>
           <pc:sldMk cId="2804356434" sldId="262"/>
@@ -304,7 +305,7 @@
           </ac:spMkLst>
         </pc:spChg>
         <pc:spChg chg="add mod">
-          <ac:chgData name="Zoe Dansky" userId="cb436787-0f89-4199-8881-fb332ac68bbb" providerId="ADAL" clId="{999503EE-6EC5-40EB-A4D8-7D3C14DAC983}" dt="2025-04-02T21:20:17.249" v="4408" actId="20577"/>
+          <ac:chgData name="Zoe Dansky" userId="cb436787-0f89-4199-8881-fb332ac68bbb" providerId="ADAL" clId="{999503EE-6EC5-40EB-A4D8-7D3C14DAC983}" dt="2025-04-10T14:41:37.252" v="5858" actId="14100"/>
           <ac:spMkLst>
             <pc:docMk/>
             <pc:sldMk cId="2804356434" sldId="262"/>
@@ -1016,6 +1017,21 @@
           </ac:picMkLst>
         </pc:picChg>
       </pc:sldChg>
+      <pc:sldChg chg="modSp new mod">
+        <pc:chgData name="Zoe Dansky" userId="cb436787-0f89-4199-8881-fb332ac68bbb" providerId="ADAL" clId="{999503EE-6EC5-40EB-A4D8-7D3C14DAC983}" dt="2025-04-10T14:36:10.743" v="5856" actId="20577"/>
+        <pc:sldMkLst>
+          <pc:docMk/>
+          <pc:sldMk cId="3655566258" sldId="284"/>
+        </pc:sldMkLst>
+        <pc:spChg chg="mod">
+          <ac:chgData name="Zoe Dansky" userId="cb436787-0f89-4199-8881-fb332ac68bbb" providerId="ADAL" clId="{999503EE-6EC5-40EB-A4D8-7D3C14DAC983}" dt="2025-04-10T14:36:10.743" v="5856" actId="20577"/>
+          <ac:spMkLst>
+            <pc:docMk/>
+            <pc:sldMk cId="3655566258" sldId="284"/>
+            <ac:spMk id="2" creationId="{876EF024-603E-4985-9FBC-A3F69ED91CFF}"/>
+          </ac:spMkLst>
+        </pc:spChg>
+      </pc:sldChg>
     </pc:docChg>
   </pc:docChgLst>
 </pc:chgInfo>
@@ -1103,7 +1119,7 @@
           <a:p>
             <a:fld id="{6151EEC7-6FF3-4E3A-91C8-B93D2BCBAEF1}" type="datetimeFigureOut">
               <a:rPr lang="en-US" smtClean="0"/>
-              <a:t>4/9/2025</a:t>
+              <a:t>4/10/2025</a:t>
             </a:fld>
             <a:endParaRPr lang="en-US"/>
           </a:p>
@@ -1601,7 +1617,7 @@
           <a:p>
             <a:fld id="{A181D31C-E150-439C-B103-CEE5B6D6EDC2}" type="datetimeFigureOut">
               <a:rPr lang="en-US" smtClean="0"/>
-              <a:t>4/9/2025</a:t>
+              <a:t>4/10/2025</a:t>
             </a:fld>
             <a:endParaRPr lang="en-US"/>
           </a:p>
@@ -1799,7 +1815,7 @@
           <a:p>
             <a:fld id="{A181D31C-E150-439C-B103-CEE5B6D6EDC2}" type="datetimeFigureOut">
               <a:rPr lang="en-US" smtClean="0"/>
-              <a:t>4/9/2025</a:t>
+              <a:t>4/10/2025</a:t>
             </a:fld>
             <a:endParaRPr lang="en-US"/>
           </a:p>
@@ -2007,7 +2023,7 @@
           <a:p>
             <a:fld id="{A181D31C-E150-439C-B103-CEE5B6D6EDC2}" type="datetimeFigureOut">
               <a:rPr lang="en-US" smtClean="0"/>
-              <a:t>4/9/2025</a:t>
+              <a:t>4/10/2025</a:t>
             </a:fld>
             <a:endParaRPr lang="en-US"/>
           </a:p>
@@ -2205,7 +2221,7 @@
           <a:p>
             <a:fld id="{A181D31C-E150-439C-B103-CEE5B6D6EDC2}" type="datetimeFigureOut">
               <a:rPr lang="en-US" smtClean="0"/>
-              <a:t>4/9/2025</a:t>
+              <a:t>4/10/2025</a:t>
             </a:fld>
             <a:endParaRPr lang="en-US"/>
           </a:p>
@@ -2480,7 +2496,7 @@
           <a:p>
             <a:fld id="{A181D31C-E150-439C-B103-CEE5B6D6EDC2}" type="datetimeFigureOut">
               <a:rPr lang="en-US" smtClean="0"/>
-              <a:t>4/9/2025</a:t>
+              <a:t>4/10/2025</a:t>
             </a:fld>
             <a:endParaRPr lang="en-US"/>
           </a:p>
@@ -2745,7 +2761,7 @@
           <a:p>
             <a:fld id="{A181D31C-E150-439C-B103-CEE5B6D6EDC2}" type="datetimeFigureOut">
               <a:rPr lang="en-US" smtClean="0"/>
-              <a:t>4/9/2025</a:t>
+              <a:t>4/10/2025</a:t>
             </a:fld>
             <a:endParaRPr lang="en-US"/>
           </a:p>
@@ -3157,7 +3173,7 @@
           <a:p>
             <a:fld id="{A181D31C-E150-439C-B103-CEE5B6D6EDC2}" type="datetimeFigureOut">
               <a:rPr lang="en-US" smtClean="0"/>
-              <a:t>4/9/2025</a:t>
+              <a:t>4/10/2025</a:t>
             </a:fld>
             <a:endParaRPr lang="en-US"/>
           </a:p>
@@ -3298,7 +3314,7 @@
           <a:p>
             <a:fld id="{A181D31C-E150-439C-B103-CEE5B6D6EDC2}" type="datetimeFigureOut">
               <a:rPr lang="en-US" smtClean="0"/>
-              <a:t>4/9/2025</a:t>
+              <a:t>4/10/2025</a:t>
             </a:fld>
             <a:endParaRPr lang="en-US"/>
           </a:p>
@@ -3411,7 +3427,7 @@
           <a:p>
             <a:fld id="{A181D31C-E150-439C-B103-CEE5B6D6EDC2}" type="datetimeFigureOut">
               <a:rPr lang="en-US" smtClean="0"/>
-              <a:t>4/9/2025</a:t>
+              <a:t>4/10/2025</a:t>
             </a:fld>
             <a:endParaRPr lang="en-US"/>
           </a:p>
@@ -3722,7 +3738,7 @@
           <a:p>
             <a:fld id="{A181D31C-E150-439C-B103-CEE5B6D6EDC2}" type="datetimeFigureOut">
               <a:rPr lang="en-US" smtClean="0"/>
-              <a:t>4/9/2025</a:t>
+              <a:t>4/10/2025</a:t>
             </a:fld>
             <a:endParaRPr lang="en-US"/>
           </a:p>
@@ -4010,7 +4026,7 @@
           <a:p>
             <a:fld id="{A181D31C-E150-439C-B103-CEE5B6D6EDC2}" type="datetimeFigureOut">
               <a:rPr lang="en-US" smtClean="0"/>
-              <a:t>4/9/2025</a:t>
+              <a:t>4/10/2025</a:t>
             </a:fld>
             <a:endParaRPr lang="en-US"/>
           </a:p>
@@ -4251,7 +4267,7 @@
           <a:p>
             <a:fld id="{A181D31C-E150-439C-B103-CEE5B6D6EDC2}" type="datetimeFigureOut">
               <a:rPr lang="en-US" smtClean="0"/>
-              <a:t>4/9/2025</a:t>
+              <a:t>4/10/2025</a:t>
             </a:fld>
             <a:endParaRPr lang="en-US"/>
           </a:p>
@@ -6176,8 +6192,8 @@
         </p:nvSpPr>
         <p:spPr>
           <a:xfrm>
-            <a:off x="5921829" y="5173177"/>
-            <a:ext cx="2819400" cy="646331"/>
+            <a:off x="5921828" y="5173177"/>
+            <a:ext cx="3555803" cy="369332"/>
           </a:xfrm>
           <a:prstGeom prst="rect">
             <a:avLst/>
@@ -6191,14 +6207,13 @@
           <a:lstStyle/>
           <a:p>
             <a:r>
-              <a:rPr lang="en-US" dirty="0"/>
-              <a:t>We store raw data on the </a:t>
-            </a:r>
-            <a:r>
-              <a:rPr lang="en-US"/>
-              <a:t>Q drive.</a:t>
-            </a:r>
-            <a:endParaRPr lang="en-US" dirty="0"/>
+              <a:rPr lang="en-US" dirty="0">
+                <a:highlight>
+                  <a:srgbClr val="FFFF00"/>
+                </a:highlight>
+              </a:rPr>
+              <a:t>We store raw data on the Q drive.</a:t>
+            </a:r>
           </a:p>
         </p:txBody>
       </p:sp>
@@ -7489,6 +7504,89 @@
     <p:extLst>
       <p:ext uri="{BB962C8B-B14F-4D97-AF65-F5344CB8AC3E}">
         <p14:creationId xmlns:p14="http://schemas.microsoft.com/office/powerpoint/2010/main" val="2428188431"/>
+      </p:ext>
+    </p:extLst>
+  </p:cSld>
+  <p:clrMapOvr>
+    <a:masterClrMapping/>
+  </p:clrMapOvr>
+</p:sld>
+</file>
+
+<file path=ppt/slides/slide28.xml><?xml version="1.0" encoding="utf-8"?>
+<p:sld xmlns:a="http://schemas.openxmlformats.org/drawingml/2006/main" xmlns:r="http://schemas.openxmlformats.org/officeDocument/2006/relationships" xmlns:p="http://schemas.openxmlformats.org/presentationml/2006/main">
+  <p:cSld>
+    <p:spTree>
+      <p:nvGrpSpPr>
+        <p:cNvPr id="1" name=""/>
+        <p:cNvGrpSpPr/>
+        <p:nvPr/>
+      </p:nvGrpSpPr>
+      <p:grpSpPr>
+        <a:xfrm>
+          <a:off x="0" y="0"/>
+          <a:ext cx="0" cy="0"/>
+          <a:chOff x="0" y="0"/>
+          <a:chExt cx="0" cy="0"/>
+        </a:xfrm>
+      </p:grpSpPr>
+      <p:sp>
+        <p:nvSpPr>
+          <p:cNvPr id="2" name="Title 1">
+            <a:extLst>
+              <a:ext uri="{FF2B5EF4-FFF2-40B4-BE49-F238E27FC236}">
+                <a16:creationId xmlns:a16="http://schemas.microsoft.com/office/drawing/2014/main" id="{876EF024-603E-4985-9FBC-A3F69ED91CFF}"/>
+              </a:ext>
+            </a:extLst>
+          </p:cNvPr>
+          <p:cNvSpPr>
+            <a:spLocks noGrp="1"/>
+          </p:cNvSpPr>
+          <p:nvPr>
+            <p:ph type="title"/>
+          </p:nvPr>
+        </p:nvSpPr>
+        <p:spPr/>
+        <p:txBody>
+          <a:bodyPr/>
+          <a:lstStyle/>
+          <a:p>
+            <a:r>
+              <a:rPr lang="en-US" dirty="0"/>
+              <a:t>Outlier Code</a:t>
+            </a:r>
+          </a:p>
+        </p:txBody>
+      </p:sp>
+      <p:sp>
+        <p:nvSpPr>
+          <p:cNvPr id="3" name="Content Placeholder 2">
+            <a:extLst>
+              <a:ext uri="{FF2B5EF4-FFF2-40B4-BE49-F238E27FC236}">
+                <a16:creationId xmlns:a16="http://schemas.microsoft.com/office/drawing/2014/main" id="{BE10F5D0-07F7-490B-B560-0BC262F4E4EA}"/>
+              </a:ext>
+            </a:extLst>
+          </p:cNvPr>
+          <p:cNvSpPr>
+            <a:spLocks noGrp="1"/>
+          </p:cNvSpPr>
+          <p:nvPr>
+            <p:ph idx="1"/>
+          </p:nvPr>
+        </p:nvSpPr>
+        <p:spPr/>
+        <p:txBody>
+          <a:bodyPr/>
+          <a:lstStyle/>
+          <a:p>
+            <a:endParaRPr lang="en-US"/>
+          </a:p>
+        </p:txBody>
+      </p:sp>
+    </p:spTree>
+    <p:extLst>
+      <p:ext uri="{BB962C8B-B14F-4D97-AF65-F5344CB8AC3E}">
+        <p14:creationId xmlns:p14="http://schemas.microsoft.com/office/powerpoint/2010/main" val="3655566258"/>
       </p:ext>
     </p:extLst>
   </p:cSld>

--- a/documentation/Data Manager/Data Manager Overview.pptx
+++ b/documentation/Data Manager/Data Manager Overview.pptx
@@ -5,7 +5,7 @@
     <p:sldMasterId id="2147483648" r:id="rId1"/>
   </p:sldMasterIdLst>
   <p:notesMasterIdLst>
-    <p:notesMasterId r:id="rId30"/>
+    <p:notesMasterId r:id="rId32"/>
   </p:notesMasterIdLst>
   <p:sldIdLst>
     <p:sldId id="256" r:id="rId2"/>
@@ -36,6 +36,8 @@
     <p:sldId id="282" r:id="rId27"/>
     <p:sldId id="283" r:id="rId28"/>
     <p:sldId id="284" r:id="rId29"/>
+    <p:sldId id="286" r:id="rId30"/>
+    <p:sldId id="285" r:id="rId31"/>
   </p:sldIdLst>
   <p:sldSz cx="12192000" cy="6858000"/>
   <p:notesSz cx="6858000" cy="9144000"/>
@@ -147,7 +149,7 @@
   <pc:docChgLst>
     <pc:chgData name="Zoe Dansky" userId="cb436787-0f89-4199-8881-fb332ac68bbb" providerId="ADAL" clId="{999503EE-6EC5-40EB-A4D8-7D3C14DAC983}"/>
     <pc:docChg chg="undo custSel addSld delSld modSld sldOrd">
-      <pc:chgData name="Zoe Dansky" userId="cb436787-0f89-4199-8881-fb332ac68bbb" providerId="ADAL" clId="{999503EE-6EC5-40EB-A4D8-7D3C14DAC983}" dt="2025-04-10T14:41:37.252" v="5858" actId="14100"/>
+      <pc:chgData name="Zoe Dansky" userId="cb436787-0f89-4199-8881-fb332ac68bbb" providerId="ADAL" clId="{999503EE-6EC5-40EB-A4D8-7D3C14DAC983}" dt="2025-04-10T15:10:58.778" v="7009" actId="1076"/>
       <pc:docMkLst>
         <pc:docMk/>
       </pc:docMkLst>
@@ -877,7 +879,7 @@
         </pc:spChg>
       </pc:sldChg>
       <pc:sldChg chg="addSp modSp new mod">
-        <pc:chgData name="Zoe Dansky" userId="cb436787-0f89-4199-8881-fb332ac68bbb" providerId="ADAL" clId="{999503EE-6EC5-40EB-A4D8-7D3C14DAC983}" dt="2025-04-09T15:56:12.280" v="5843" actId="1076"/>
+        <pc:chgData name="Zoe Dansky" userId="cb436787-0f89-4199-8881-fb332ac68bbb" providerId="ADAL" clId="{999503EE-6EC5-40EB-A4D8-7D3C14DAC983}" dt="2025-04-10T15:05:48.629" v="6016" actId="1076"/>
         <pc:sldMkLst>
           <pc:docMk/>
           <pc:sldMk cId="675511410" sldId="281"/>
@@ -896,6 +898,14 @@
             <pc:docMk/>
             <pc:sldMk cId="675511410" sldId="281"/>
             <ac:spMk id="3" creationId="{AAD67533-AA41-4D0D-9369-CED83650561D}"/>
+          </ac:spMkLst>
+        </pc:spChg>
+        <pc:spChg chg="add mod">
+          <ac:chgData name="Zoe Dansky" userId="cb436787-0f89-4199-8881-fb332ac68bbb" providerId="ADAL" clId="{999503EE-6EC5-40EB-A4D8-7D3C14DAC983}" dt="2025-04-10T15:05:48.629" v="6016" actId="1076"/>
+          <ac:spMkLst>
+            <pc:docMk/>
+            <pc:sldMk cId="675511410" sldId="281"/>
+            <ac:spMk id="4" creationId="{95355C89-AD54-4087-A1F3-A01FDCCDA208}"/>
           </ac:spMkLst>
         </pc:spChg>
         <pc:picChg chg="add mod">
@@ -1018,19 +1028,41 @@
         </pc:picChg>
       </pc:sldChg>
       <pc:sldChg chg="modSp new mod">
-        <pc:chgData name="Zoe Dansky" userId="cb436787-0f89-4199-8881-fb332ac68bbb" providerId="ADAL" clId="{999503EE-6EC5-40EB-A4D8-7D3C14DAC983}" dt="2025-04-10T14:36:10.743" v="5856" actId="20577"/>
+        <pc:chgData name="Zoe Dansky" userId="cb436787-0f89-4199-8881-fb332ac68bbb" providerId="ADAL" clId="{999503EE-6EC5-40EB-A4D8-7D3C14DAC983}" dt="2025-04-10T15:10:58.778" v="7009" actId="1076"/>
         <pc:sldMkLst>
           <pc:docMk/>
           <pc:sldMk cId="3655566258" sldId="284"/>
         </pc:sldMkLst>
         <pc:spChg chg="mod">
-          <ac:chgData name="Zoe Dansky" userId="cb436787-0f89-4199-8881-fb332ac68bbb" providerId="ADAL" clId="{999503EE-6EC5-40EB-A4D8-7D3C14DAC983}" dt="2025-04-10T14:36:10.743" v="5856" actId="20577"/>
+          <ac:chgData name="Zoe Dansky" userId="cb436787-0f89-4199-8881-fb332ac68bbb" providerId="ADAL" clId="{999503EE-6EC5-40EB-A4D8-7D3C14DAC983}" dt="2025-04-10T15:10:58.778" v="7009" actId="1076"/>
           <ac:spMkLst>
             <pc:docMk/>
             <pc:sldMk cId="3655566258" sldId="284"/>
             <ac:spMk id="2" creationId="{876EF024-603E-4985-9FBC-A3F69ED91CFF}"/>
           </ac:spMkLst>
         </pc:spChg>
+        <pc:spChg chg="mod">
+          <ac:chgData name="Zoe Dansky" userId="cb436787-0f89-4199-8881-fb332ac68bbb" providerId="ADAL" clId="{999503EE-6EC5-40EB-A4D8-7D3C14DAC983}" dt="2025-04-10T15:10:55.166" v="7008" actId="27636"/>
+          <ac:spMkLst>
+            <pc:docMk/>
+            <pc:sldMk cId="3655566258" sldId="284"/>
+            <ac:spMk id="3" creationId="{BE10F5D0-07F7-490B-B560-0BC262F4E4EA}"/>
+          </ac:spMkLst>
+        </pc:spChg>
+      </pc:sldChg>
+      <pc:sldChg chg="new">
+        <pc:chgData name="Zoe Dansky" userId="cb436787-0f89-4199-8881-fb332ac68bbb" providerId="ADAL" clId="{999503EE-6EC5-40EB-A4D8-7D3C14DAC983}" dt="2025-04-10T15:05:03.555" v="5859" actId="680"/>
+        <pc:sldMkLst>
+          <pc:docMk/>
+          <pc:sldMk cId="1733507358" sldId="285"/>
+        </pc:sldMkLst>
+      </pc:sldChg>
+      <pc:sldChg chg="add">
+        <pc:chgData name="Zoe Dansky" userId="cb436787-0f89-4199-8881-fb332ac68bbb" providerId="ADAL" clId="{999503EE-6EC5-40EB-A4D8-7D3C14DAC983}" dt="2025-04-10T15:07:51.431" v="6413" actId="2890"/>
+        <pc:sldMkLst>
+          <pc:docMk/>
+          <pc:sldMk cId="1690102185" sldId="286"/>
+        </pc:sldMkLst>
       </pc:sldChg>
     </pc:docChg>
   </pc:docChgLst>
@@ -7253,6 +7285,41 @@
           </a:prstGeom>
         </p:spPr>
       </p:pic>
+      <p:sp>
+        <p:nvSpPr>
+          <p:cNvPr id="4" name="TextBox 3">
+            <a:extLst>
+              <a:ext uri="{FF2B5EF4-FFF2-40B4-BE49-F238E27FC236}">
+                <a16:creationId xmlns:a16="http://schemas.microsoft.com/office/drawing/2014/main" id="{95355C89-AD54-4087-A1F3-A01FDCCDA208}"/>
+              </a:ext>
+            </a:extLst>
+          </p:cNvPr>
+          <p:cNvSpPr txBox="1"/>
+          <p:nvPr/>
+        </p:nvSpPr>
+        <p:spPr>
+          <a:xfrm>
+            <a:off x="627071" y="5715298"/>
+            <a:ext cx="4797545" cy="923330"/>
+          </a:xfrm>
+          <a:prstGeom prst="rect">
+            <a:avLst/>
+          </a:prstGeom>
+          <a:noFill/>
+        </p:spPr>
+        <p:txBody>
+          <a:bodyPr wrap="square" rtlCol="0">
+            <a:spAutoFit/>
+          </a:bodyPr>
+          <a:lstStyle/>
+          <a:p>
+            <a:r>
+              <a:rPr lang="en-US" dirty="0"/>
+              <a:t>Note: if the source includes ‘aggregated’ it’s an indication that we aggregated the location from a smaller to larger geography/</a:t>
+            </a:r>
+          </a:p>
+        </p:txBody>
+      </p:sp>
     </p:spTree>
     <p:extLst>
       <p:ext uri="{BB962C8B-B14F-4D97-AF65-F5344CB8AC3E}">
@@ -7546,7 +7613,12 @@
             <p:ph type="title"/>
           </p:nvPr>
         </p:nvSpPr>
-        <p:spPr/>
+        <p:spPr>
+          <a:xfrm>
+            <a:off x="625779" y="213833"/>
+            <a:ext cx="10515600" cy="1325563"/>
+          </a:xfrm>
+        </p:spPr>
         <p:txBody>
           <a:bodyPr/>
           <a:lstStyle/>
@@ -7574,12 +7646,91 @@
             <p:ph idx="1"/>
           </p:nvPr>
         </p:nvSpPr>
-        <p:spPr/>
-        <p:txBody>
-          <a:bodyPr/>
-          <a:lstStyle/>
-          <a:p>
-            <a:endParaRPr lang="en-US"/>
+        <p:spPr>
+          <a:xfrm>
+            <a:off x="413359" y="1499947"/>
+            <a:ext cx="10940441" cy="4992927"/>
+          </a:xfrm>
+        </p:spPr>
+        <p:txBody>
+          <a:bodyPr>
+            <a:normAutofit fontScale="92500" lnSpcReduction="20000"/>
+          </a:bodyPr>
+          <a:lstStyle/>
+          <a:p>
+            <a:r>
+              <a:rPr lang="en-US" dirty="0" err="1"/>
+              <a:t>Data_processing</a:t>
+            </a:r>
+            <a:r>
+              <a:rPr lang="en-US" dirty="0"/>
+              <a:t> -&gt; </a:t>
+            </a:r>
+            <a:r>
+              <a:rPr lang="en-US" dirty="0" err="1"/>
+              <a:t>outlier_finder.R</a:t>
+            </a:r>
+            <a:endParaRPr lang="en-US" dirty="0"/>
+          </a:p>
+          <a:p>
+            <a:endParaRPr lang="en-US" dirty="0"/>
+          </a:p>
+          <a:p>
+            <a:r>
+              <a:rPr lang="en-US" dirty="0"/>
+              <a:t>Andrew wrote a code that identifies and removes outliers based on several criteria.</a:t>
+            </a:r>
+          </a:p>
+          <a:p>
+            <a:r>
+              <a:rPr lang="en-US" dirty="0"/>
+              <a:t>The function gives you a data frame of possible outliers, you decide how to reconcile, then return a data frame with the decisions.</a:t>
+            </a:r>
+          </a:p>
+          <a:p>
+            <a:r>
+              <a:rPr lang="en-US" dirty="0"/>
+              <a:t>Arguments include:</a:t>
+            </a:r>
+          </a:p>
+          <a:p>
+            <a:pPr lvl="1"/>
+            <a:r>
+              <a:rPr lang="en-US" dirty="0"/>
+              <a:t>Phi (a percent change from one year to another that does not depend on how many years apart the data points are from)</a:t>
+            </a:r>
+          </a:p>
+          <a:p>
+            <a:pPr lvl="1"/>
+            <a:r>
+              <a:rPr lang="en-US" dirty="0"/>
+              <a:t>Theta (a multiplier that produces a percent change based on how many years apart two samples are)</a:t>
+            </a:r>
+          </a:p>
+          <a:p>
+            <a:pPr lvl="1"/>
+            <a:r>
+              <a:rPr lang="en-US" dirty="0"/>
+              <a:t>Max year (outliers will not be identified after this year)</a:t>
+            </a:r>
+          </a:p>
+          <a:p>
+            <a:pPr lvl="1"/>
+            <a:r>
+              <a:rPr lang="en-US" dirty="0" err="1"/>
+              <a:t>First.choice.year</a:t>
+            </a:r>
+            <a:r>
+              <a:rPr lang="en-US" dirty="0"/>
+              <a:t> (this year will be defined as the reference point for the outliers)</a:t>
+            </a:r>
+          </a:p>
+          <a:p>
+            <a:pPr lvl="1"/>
+            <a:r>
+              <a:rPr lang="en-US" i="1" dirty="0"/>
+              <a:t>Important to consider year choices in the context of COVID data.</a:t>
+            </a:r>
           </a:p>
         </p:txBody>
       </p:sp>
@@ -7587,6 +7738,122 @@
     <p:extLst>
       <p:ext uri="{BB962C8B-B14F-4D97-AF65-F5344CB8AC3E}">
         <p14:creationId xmlns:p14="http://schemas.microsoft.com/office/powerpoint/2010/main" val="3655566258"/>
+      </p:ext>
+    </p:extLst>
+  </p:cSld>
+  <p:clrMapOvr>
+    <a:masterClrMapping/>
+  </p:clrMapOvr>
+</p:sld>
+</file>
+
+<file path=ppt/slides/slide29.xml><?xml version="1.0" encoding="utf-8"?>
+<p:sld xmlns:a="http://schemas.openxmlformats.org/drawingml/2006/main" xmlns:r="http://schemas.openxmlformats.org/officeDocument/2006/relationships" xmlns:p="http://schemas.openxmlformats.org/presentationml/2006/main">
+  <p:cSld>
+    <p:spTree>
+      <p:nvGrpSpPr>
+        <p:cNvPr id="1" name=""/>
+        <p:cNvGrpSpPr/>
+        <p:nvPr/>
+      </p:nvGrpSpPr>
+      <p:grpSpPr>
+        <a:xfrm>
+          <a:off x="0" y="0"/>
+          <a:ext cx="0" cy="0"/>
+          <a:chOff x="0" y="0"/>
+          <a:chExt cx="0" cy="0"/>
+        </a:xfrm>
+      </p:grpSpPr>
+      <p:sp>
+        <p:nvSpPr>
+          <p:cNvPr id="2" name="Title 1">
+            <a:extLst>
+              <a:ext uri="{FF2B5EF4-FFF2-40B4-BE49-F238E27FC236}">
+                <a16:creationId xmlns:a16="http://schemas.microsoft.com/office/drawing/2014/main" id="{876EF024-603E-4985-9FBC-A3F69ED91CFF}"/>
+              </a:ext>
+            </a:extLst>
+          </p:cNvPr>
+          <p:cNvSpPr>
+            <a:spLocks noGrp="1"/>
+          </p:cNvSpPr>
+          <p:nvPr>
+            <p:ph type="title"/>
+          </p:nvPr>
+        </p:nvSpPr>
+        <p:spPr/>
+        <p:txBody>
+          <a:bodyPr/>
+          <a:lstStyle/>
+          <a:p>
+            <a:r>
+              <a:rPr lang="en-US" dirty="0"/>
+              <a:t>Outlier Code</a:t>
+            </a:r>
+          </a:p>
+        </p:txBody>
+      </p:sp>
+      <p:sp>
+        <p:nvSpPr>
+          <p:cNvPr id="3" name="Content Placeholder 2">
+            <a:extLst>
+              <a:ext uri="{FF2B5EF4-FFF2-40B4-BE49-F238E27FC236}">
+                <a16:creationId xmlns:a16="http://schemas.microsoft.com/office/drawing/2014/main" id="{BE10F5D0-07F7-490B-B560-0BC262F4E4EA}"/>
+              </a:ext>
+            </a:extLst>
+          </p:cNvPr>
+          <p:cNvSpPr>
+            <a:spLocks noGrp="1"/>
+          </p:cNvSpPr>
+          <p:nvPr>
+            <p:ph idx="1"/>
+          </p:nvPr>
+        </p:nvSpPr>
+        <p:spPr>
+          <a:xfrm>
+            <a:off x="838200" y="1499948"/>
+            <a:ext cx="10515600" cy="4351338"/>
+          </a:xfrm>
+        </p:spPr>
+        <p:txBody>
+          <a:bodyPr/>
+          <a:lstStyle/>
+          <a:p>
+            <a:r>
+              <a:rPr lang="en-US" dirty="0" err="1"/>
+              <a:t>Data_processing</a:t>
+            </a:r>
+            <a:r>
+              <a:rPr lang="en-US" dirty="0"/>
+              <a:t> -&gt; outliers</a:t>
+            </a:r>
+          </a:p>
+          <a:p>
+            <a:endParaRPr lang="en-US" dirty="0"/>
+          </a:p>
+          <a:p>
+            <a:r>
+              <a:rPr lang="en-US" dirty="0"/>
+              <a:t>In the folder above, there are 3 separate codes that remove outliers.  The first is total level, the one way, then two way.</a:t>
+            </a:r>
+          </a:p>
+          <a:p>
+            <a:r>
+              <a:rPr lang="en-US" dirty="0"/>
+              <a:t>If an outlier is removed at the total level, data is also removed for any stratifications.</a:t>
+            </a:r>
+          </a:p>
+          <a:p>
+            <a:r>
+              <a:rPr lang="en-US" dirty="0"/>
+              <a:t>If you add data to an outcome included in the outliers code, you may have to reassess for additional outliers.  </a:t>
+            </a:r>
+          </a:p>
+        </p:txBody>
+      </p:sp>
+    </p:spTree>
+    <p:extLst>
+      <p:ext uri="{BB962C8B-B14F-4D97-AF65-F5344CB8AC3E}">
+        <p14:creationId xmlns:p14="http://schemas.microsoft.com/office/powerpoint/2010/main" val="1690102185"/>
       </p:ext>
     </p:extLst>
   </p:cSld>
@@ -7763,6 +8030,86 @@
     <p:extLst>
       <p:ext uri="{BB962C8B-B14F-4D97-AF65-F5344CB8AC3E}">
         <p14:creationId xmlns:p14="http://schemas.microsoft.com/office/powerpoint/2010/main" val="3735395296"/>
+      </p:ext>
+    </p:extLst>
+  </p:cSld>
+  <p:clrMapOvr>
+    <a:masterClrMapping/>
+  </p:clrMapOvr>
+</p:sld>
+</file>
+
+<file path=ppt/slides/slide30.xml><?xml version="1.0" encoding="utf-8"?>
+<p:sld xmlns:a="http://schemas.openxmlformats.org/drawingml/2006/main" xmlns:r="http://schemas.openxmlformats.org/officeDocument/2006/relationships" xmlns:p="http://schemas.openxmlformats.org/presentationml/2006/main">
+  <p:cSld>
+    <p:spTree>
+      <p:nvGrpSpPr>
+        <p:cNvPr id="1" name=""/>
+        <p:cNvGrpSpPr/>
+        <p:nvPr/>
+      </p:nvGrpSpPr>
+      <p:grpSpPr>
+        <a:xfrm>
+          <a:off x="0" y="0"/>
+          <a:ext cx="0" cy="0"/>
+          <a:chOff x="0" y="0"/>
+          <a:chExt cx="0" cy="0"/>
+        </a:xfrm>
+      </p:grpSpPr>
+      <p:sp>
+        <p:nvSpPr>
+          <p:cNvPr id="2" name="Title 1">
+            <a:extLst>
+              <a:ext uri="{FF2B5EF4-FFF2-40B4-BE49-F238E27FC236}">
+                <a16:creationId xmlns:a16="http://schemas.microsoft.com/office/drawing/2014/main" id="{6E806F9E-8437-46F7-B59D-852EE3AC8212}"/>
+              </a:ext>
+            </a:extLst>
+          </p:cNvPr>
+          <p:cNvSpPr>
+            <a:spLocks noGrp="1"/>
+          </p:cNvSpPr>
+          <p:nvPr>
+            <p:ph type="title"/>
+          </p:nvPr>
+        </p:nvSpPr>
+        <p:spPr/>
+        <p:txBody>
+          <a:bodyPr/>
+          <a:lstStyle/>
+          <a:p>
+            <a:endParaRPr lang="en-US" dirty="0"/>
+          </a:p>
+        </p:txBody>
+      </p:sp>
+      <p:sp>
+        <p:nvSpPr>
+          <p:cNvPr id="3" name="Content Placeholder 2">
+            <a:extLst>
+              <a:ext uri="{FF2B5EF4-FFF2-40B4-BE49-F238E27FC236}">
+                <a16:creationId xmlns:a16="http://schemas.microsoft.com/office/drawing/2014/main" id="{3B5EDDC7-347E-4E6C-AC6D-97F8BF80C16E}"/>
+              </a:ext>
+            </a:extLst>
+          </p:cNvPr>
+          <p:cNvSpPr>
+            <a:spLocks noGrp="1"/>
+          </p:cNvSpPr>
+          <p:nvPr>
+            <p:ph idx="1"/>
+          </p:nvPr>
+        </p:nvSpPr>
+        <p:spPr/>
+        <p:txBody>
+          <a:bodyPr/>
+          <a:lstStyle/>
+          <a:p>
+            <a:endParaRPr lang="en-US"/>
+          </a:p>
+        </p:txBody>
+      </p:sp>
+    </p:spTree>
+    <p:extLst>
+      <p:ext uri="{BB962C8B-B14F-4D97-AF65-F5344CB8AC3E}">
+        <p14:creationId xmlns:p14="http://schemas.microsoft.com/office/powerpoint/2010/main" val="1733507358"/>
       </p:ext>
     </p:extLst>
   </p:cSld>

--- a/documentation/Data Manager/Data Manager Overview.pptx
+++ b/documentation/Data Manager/Data Manager Overview.pptx
@@ -5,7 +5,7 @@
     <p:sldMasterId id="2147483648" r:id="rId1"/>
   </p:sldMasterIdLst>
   <p:notesMasterIdLst>
-    <p:notesMasterId r:id="rId32"/>
+    <p:notesMasterId r:id="rId31"/>
   </p:notesMasterIdLst>
   <p:sldIdLst>
     <p:sldId id="256" r:id="rId2"/>
@@ -37,7 +37,6 @@
     <p:sldId id="283" r:id="rId28"/>
     <p:sldId id="284" r:id="rId29"/>
     <p:sldId id="286" r:id="rId30"/>
-    <p:sldId id="285" r:id="rId31"/>
   </p:sldIdLst>
   <p:sldSz cx="12192000" cy="6858000"/>
   <p:notesSz cx="6858000" cy="9144000"/>
@@ -146,6 +145,22 @@
 
 <file path=ppt/changesInfos/changesInfo1.xml><?xml version="1.0" encoding="utf-8"?>
 <pc:chgInfo xmlns:a="http://schemas.openxmlformats.org/drawingml/2006/main" xmlns:r="http://schemas.openxmlformats.org/officeDocument/2006/relationships" xmlns:ac="http://schemas.microsoft.com/office/drawing/2013/main/command" xmlns:pc="http://schemas.microsoft.com/office/powerpoint/2013/main/command">
+  <pc:docChgLst>
+    <pc:chgData name="Zoe Dansky" userId="cb436787-0f89-4199-8881-fb332ac68bbb" providerId="ADAL" clId="{F517C26C-3AD0-4D15-B68D-85B308441A36}"/>
+    <pc:docChg chg="delSld">
+      <pc:chgData name="Zoe Dansky" userId="cb436787-0f89-4199-8881-fb332ac68bbb" providerId="ADAL" clId="{F517C26C-3AD0-4D15-B68D-85B308441A36}" dt="2025-04-17T14:20:10.672" v="0" actId="47"/>
+      <pc:docMkLst>
+        <pc:docMk/>
+      </pc:docMkLst>
+      <pc:sldChg chg="del">
+        <pc:chgData name="Zoe Dansky" userId="cb436787-0f89-4199-8881-fb332ac68bbb" providerId="ADAL" clId="{F517C26C-3AD0-4D15-B68D-85B308441A36}" dt="2025-04-17T14:20:10.672" v="0" actId="47"/>
+        <pc:sldMkLst>
+          <pc:docMk/>
+          <pc:sldMk cId="1733507358" sldId="285"/>
+        </pc:sldMkLst>
+      </pc:sldChg>
+    </pc:docChg>
+  </pc:docChgLst>
   <pc:docChgLst>
     <pc:chgData name="Zoe Dansky" userId="cb436787-0f89-4199-8881-fb332ac68bbb" providerId="ADAL" clId="{999503EE-6EC5-40EB-A4D8-7D3C14DAC983}"/>
     <pc:docChg chg="undo custSel addSld delSld modSld sldOrd">
@@ -1151,7 +1166,7 @@
           <a:p>
             <a:fld id="{6151EEC7-6FF3-4E3A-91C8-B93D2BCBAEF1}" type="datetimeFigureOut">
               <a:rPr lang="en-US" smtClean="0"/>
-              <a:t>4/10/2025</a:t>
+              <a:t>4/17/2025</a:t>
             </a:fld>
             <a:endParaRPr lang="en-US"/>
           </a:p>
@@ -1649,7 +1664,7 @@
           <a:p>
             <a:fld id="{A181D31C-E150-439C-B103-CEE5B6D6EDC2}" type="datetimeFigureOut">
               <a:rPr lang="en-US" smtClean="0"/>
-              <a:t>4/10/2025</a:t>
+              <a:t>4/17/2025</a:t>
             </a:fld>
             <a:endParaRPr lang="en-US"/>
           </a:p>
@@ -1847,7 +1862,7 @@
           <a:p>
             <a:fld id="{A181D31C-E150-439C-B103-CEE5B6D6EDC2}" type="datetimeFigureOut">
               <a:rPr lang="en-US" smtClean="0"/>
-              <a:t>4/10/2025</a:t>
+              <a:t>4/17/2025</a:t>
             </a:fld>
             <a:endParaRPr lang="en-US"/>
           </a:p>
@@ -2055,7 +2070,7 @@
           <a:p>
             <a:fld id="{A181D31C-E150-439C-B103-CEE5B6D6EDC2}" type="datetimeFigureOut">
               <a:rPr lang="en-US" smtClean="0"/>
-              <a:t>4/10/2025</a:t>
+              <a:t>4/17/2025</a:t>
             </a:fld>
             <a:endParaRPr lang="en-US"/>
           </a:p>
@@ -2253,7 +2268,7 @@
           <a:p>
             <a:fld id="{A181D31C-E150-439C-B103-CEE5B6D6EDC2}" type="datetimeFigureOut">
               <a:rPr lang="en-US" smtClean="0"/>
-              <a:t>4/10/2025</a:t>
+              <a:t>4/17/2025</a:t>
             </a:fld>
             <a:endParaRPr lang="en-US"/>
           </a:p>
@@ -2528,7 +2543,7 @@
           <a:p>
             <a:fld id="{A181D31C-E150-439C-B103-CEE5B6D6EDC2}" type="datetimeFigureOut">
               <a:rPr lang="en-US" smtClean="0"/>
-              <a:t>4/10/2025</a:t>
+              <a:t>4/17/2025</a:t>
             </a:fld>
             <a:endParaRPr lang="en-US"/>
           </a:p>
@@ -2793,7 +2808,7 @@
           <a:p>
             <a:fld id="{A181D31C-E150-439C-B103-CEE5B6D6EDC2}" type="datetimeFigureOut">
               <a:rPr lang="en-US" smtClean="0"/>
-              <a:t>4/10/2025</a:t>
+              <a:t>4/17/2025</a:t>
             </a:fld>
             <a:endParaRPr lang="en-US"/>
           </a:p>
@@ -3205,7 +3220,7 @@
           <a:p>
             <a:fld id="{A181D31C-E150-439C-B103-CEE5B6D6EDC2}" type="datetimeFigureOut">
               <a:rPr lang="en-US" smtClean="0"/>
-              <a:t>4/10/2025</a:t>
+              <a:t>4/17/2025</a:t>
             </a:fld>
             <a:endParaRPr lang="en-US"/>
           </a:p>
@@ -3346,7 +3361,7 @@
           <a:p>
             <a:fld id="{A181D31C-E150-439C-B103-CEE5B6D6EDC2}" type="datetimeFigureOut">
               <a:rPr lang="en-US" smtClean="0"/>
-              <a:t>4/10/2025</a:t>
+              <a:t>4/17/2025</a:t>
             </a:fld>
             <a:endParaRPr lang="en-US"/>
           </a:p>
@@ -3459,7 +3474,7 @@
           <a:p>
             <a:fld id="{A181D31C-E150-439C-B103-CEE5B6D6EDC2}" type="datetimeFigureOut">
               <a:rPr lang="en-US" smtClean="0"/>
-              <a:t>4/10/2025</a:t>
+              <a:t>4/17/2025</a:t>
             </a:fld>
             <a:endParaRPr lang="en-US"/>
           </a:p>
@@ -3770,7 +3785,7 @@
           <a:p>
             <a:fld id="{A181D31C-E150-439C-B103-CEE5B6D6EDC2}" type="datetimeFigureOut">
               <a:rPr lang="en-US" smtClean="0"/>
-              <a:t>4/10/2025</a:t>
+              <a:t>4/17/2025</a:t>
             </a:fld>
             <a:endParaRPr lang="en-US"/>
           </a:p>
@@ -4058,7 +4073,7 @@
           <a:p>
             <a:fld id="{A181D31C-E150-439C-B103-CEE5B6D6EDC2}" type="datetimeFigureOut">
               <a:rPr lang="en-US" smtClean="0"/>
-              <a:t>4/10/2025</a:t>
+              <a:t>4/17/2025</a:t>
             </a:fld>
             <a:endParaRPr lang="en-US"/>
           </a:p>
@@ -4299,7 +4314,7 @@
           <a:p>
             <a:fld id="{A181D31C-E150-439C-B103-CEE5B6D6EDC2}" type="datetimeFigureOut">
               <a:rPr lang="en-US" smtClean="0"/>
-              <a:t>4/10/2025</a:t>
+              <a:t>4/17/2025</a:t>
             </a:fld>
             <a:endParaRPr lang="en-US"/>
           </a:p>
@@ -8030,86 +8045,6 @@
     <p:extLst>
       <p:ext uri="{BB962C8B-B14F-4D97-AF65-F5344CB8AC3E}">
         <p14:creationId xmlns:p14="http://schemas.microsoft.com/office/powerpoint/2010/main" val="3735395296"/>
-      </p:ext>
-    </p:extLst>
-  </p:cSld>
-  <p:clrMapOvr>
-    <a:masterClrMapping/>
-  </p:clrMapOvr>
-</p:sld>
-</file>
-
-<file path=ppt/slides/slide30.xml><?xml version="1.0" encoding="utf-8"?>
-<p:sld xmlns:a="http://schemas.openxmlformats.org/drawingml/2006/main" xmlns:r="http://schemas.openxmlformats.org/officeDocument/2006/relationships" xmlns:p="http://schemas.openxmlformats.org/presentationml/2006/main">
-  <p:cSld>
-    <p:spTree>
-      <p:nvGrpSpPr>
-        <p:cNvPr id="1" name=""/>
-        <p:cNvGrpSpPr/>
-        <p:nvPr/>
-      </p:nvGrpSpPr>
-      <p:grpSpPr>
-        <a:xfrm>
-          <a:off x="0" y="0"/>
-          <a:ext cx="0" cy="0"/>
-          <a:chOff x="0" y="0"/>
-          <a:chExt cx="0" cy="0"/>
-        </a:xfrm>
-      </p:grpSpPr>
-      <p:sp>
-        <p:nvSpPr>
-          <p:cNvPr id="2" name="Title 1">
-            <a:extLst>
-              <a:ext uri="{FF2B5EF4-FFF2-40B4-BE49-F238E27FC236}">
-                <a16:creationId xmlns:a16="http://schemas.microsoft.com/office/drawing/2014/main" id="{6E806F9E-8437-46F7-B59D-852EE3AC8212}"/>
-              </a:ext>
-            </a:extLst>
-          </p:cNvPr>
-          <p:cNvSpPr>
-            <a:spLocks noGrp="1"/>
-          </p:cNvSpPr>
-          <p:nvPr>
-            <p:ph type="title"/>
-          </p:nvPr>
-        </p:nvSpPr>
-        <p:spPr/>
-        <p:txBody>
-          <a:bodyPr/>
-          <a:lstStyle/>
-          <a:p>
-            <a:endParaRPr lang="en-US" dirty="0"/>
-          </a:p>
-        </p:txBody>
-      </p:sp>
-      <p:sp>
-        <p:nvSpPr>
-          <p:cNvPr id="3" name="Content Placeholder 2">
-            <a:extLst>
-              <a:ext uri="{FF2B5EF4-FFF2-40B4-BE49-F238E27FC236}">
-                <a16:creationId xmlns:a16="http://schemas.microsoft.com/office/drawing/2014/main" id="{3B5EDDC7-347E-4E6C-AC6D-97F8BF80C16E}"/>
-              </a:ext>
-            </a:extLst>
-          </p:cNvPr>
-          <p:cNvSpPr>
-            <a:spLocks noGrp="1"/>
-          </p:cNvSpPr>
-          <p:nvPr>
-            <p:ph idx="1"/>
-          </p:nvPr>
-        </p:nvSpPr>
-        <p:spPr/>
-        <p:txBody>
-          <a:bodyPr/>
-          <a:lstStyle/>
-          <a:p>
-            <a:endParaRPr lang="en-US"/>
-          </a:p>
-        </p:txBody>
-      </p:sp>
-    </p:spTree>
-    <p:extLst>
-      <p:ext uri="{BB962C8B-B14F-4D97-AF65-F5344CB8AC3E}">
-        <p14:creationId xmlns:p14="http://schemas.microsoft.com/office/powerpoint/2010/main" val="1733507358"/>
       </p:ext>
     </p:extLst>
   </p:cSld>

--- a/documentation/Data Manager/Data Manager Overview.pptx
+++ b/documentation/Data Manager/Data Manager Overview.pptx
@@ -147,11 +147,26 @@
 <pc:chgInfo xmlns:a="http://schemas.openxmlformats.org/drawingml/2006/main" xmlns:r="http://schemas.openxmlformats.org/officeDocument/2006/relationships" xmlns:ac="http://schemas.microsoft.com/office/drawing/2013/main/command" xmlns:pc="http://schemas.microsoft.com/office/powerpoint/2013/main/command">
   <pc:docChgLst>
     <pc:chgData name="Zoe Dansky" userId="cb436787-0f89-4199-8881-fb332ac68bbb" providerId="ADAL" clId="{F517C26C-3AD0-4D15-B68D-85B308441A36}"/>
-    <pc:docChg chg="delSld">
-      <pc:chgData name="Zoe Dansky" userId="cb436787-0f89-4199-8881-fb332ac68bbb" providerId="ADAL" clId="{F517C26C-3AD0-4D15-B68D-85B308441A36}" dt="2025-04-17T14:20:10.672" v="0" actId="47"/>
+    <pc:docChg chg="custSel delSld modSld">
+      <pc:chgData name="Zoe Dansky" userId="cb436787-0f89-4199-8881-fb332ac68bbb" providerId="ADAL" clId="{F517C26C-3AD0-4D15-B68D-85B308441A36}" dt="2025-04-17T15:21:36.115" v="84" actId="20577"/>
       <pc:docMkLst>
         <pc:docMk/>
       </pc:docMkLst>
+      <pc:sldChg chg="modSp mod">
+        <pc:chgData name="Zoe Dansky" userId="cb436787-0f89-4199-8881-fb332ac68bbb" providerId="ADAL" clId="{F517C26C-3AD0-4D15-B68D-85B308441A36}" dt="2025-04-17T15:21:36.115" v="84" actId="20577"/>
+        <pc:sldMkLst>
+          <pc:docMk/>
+          <pc:sldMk cId="2852657215" sldId="257"/>
+        </pc:sldMkLst>
+        <pc:spChg chg="mod">
+          <ac:chgData name="Zoe Dansky" userId="cb436787-0f89-4199-8881-fb332ac68bbb" providerId="ADAL" clId="{F517C26C-3AD0-4D15-B68D-85B308441A36}" dt="2025-04-17T15:21:36.115" v="84" actId="20577"/>
+          <ac:spMkLst>
+            <pc:docMk/>
+            <pc:sldMk cId="2852657215" sldId="257"/>
+            <ac:spMk id="3" creationId="{C2D907DA-5F95-40E5-9B3C-5317FE599936}"/>
+          </ac:spMkLst>
+        </pc:spChg>
+      </pc:sldChg>
       <pc:sldChg chg="del">
         <pc:chgData name="Zoe Dansky" userId="cb436787-0f89-4199-8881-fb332ac68bbb" providerId="ADAL" clId="{F517C26C-3AD0-4D15-B68D-85B308441A36}" dt="2025-04-17T14:20:10.672" v="0" actId="47"/>
         <pc:sldMkLst>
@@ -6444,7 +6459,7 @@
         </p:spPr>
         <p:txBody>
           <a:bodyPr>
-            <a:normAutofit lnSpcReduction="10000"/>
+            <a:normAutofit fontScale="92500" lnSpcReduction="20000"/>
           </a:bodyPr>
           <a:lstStyle/>
           <a:p>
@@ -6464,6 +6479,13 @@
             </a:r>
           </a:p>
           <a:p>
+            <a:pPr lvl="1"/>
+            <a:r>
+              <a:rPr lang="en-US" dirty="0"/>
+              <a:t>Typically MSA level data</a:t>
+            </a:r>
+          </a:p>
+          <a:p>
             <a:pPr marL="0" indent="0">
               <a:buNone/>
             </a:pPr>
@@ -6480,6 +6502,13 @@
             </a:r>
           </a:p>
           <a:p>
+            <a:pPr lvl="1"/>
+            <a:r>
+              <a:rPr lang="en-US" dirty="0"/>
+              <a:t>Typically County level data</a:t>
+            </a:r>
+          </a:p>
+          <a:p>
             <a:pPr marL="0" indent="0">
               <a:buNone/>
             </a:pPr>
@@ -6494,6 +6523,18 @@
               <a:rPr lang="en-US" dirty="0"/>
               <a:t>This is for SHIELD, Parastu calls this the ‘Surveillance Manager’</a:t>
             </a:r>
+          </a:p>
+          <a:p>
+            <a:pPr lvl="1"/>
+            <a:r>
+              <a:rPr lang="en-US" dirty="0"/>
+              <a:t>Typically MSA </a:t>
+            </a:r>
+            <a:r>
+              <a:rPr lang="en-US"/>
+              <a:t>level data</a:t>
+            </a:r>
+            <a:endParaRPr lang="en-US" dirty="0"/>
           </a:p>
           <a:p>
             <a:pPr marL="0" indent="0">
